--- a/Проект Игра-Кладовщик.pptx
+++ b/Проект Игра-Кладовщик.pptx
@@ -203,7 +203,7 @@
           <a:p>
             <a:fld id="{83A3F287-723F-4896-B865-22F256C7BFCD}" type="datetimeFigureOut">
               <a:rPr lang="ru-RU" smtClean="0"/>
-              <a:t>02.03.2023</a:t>
+              <a:t>03.03.2023</a:t>
             </a:fld>
             <a:endParaRPr lang="ru-RU"/>
           </a:p>
@@ -661,7 +661,7 @@
           <a:p>
             <a:fld id="{EEA4EAA3-FBA8-4A82-8D6E-5BA1DDEE035B}" type="datetimeFigureOut">
               <a:rPr lang="ru-RU" smtClean="0"/>
-              <a:t>02.03.2023</a:t>
+              <a:t>03.03.2023</a:t>
             </a:fld>
             <a:endParaRPr lang="ru-RU"/>
           </a:p>
@@ -1097,7 +1097,7 @@
           <a:p>
             <a:fld id="{EEA4EAA3-FBA8-4A82-8D6E-5BA1DDEE035B}" type="datetimeFigureOut">
               <a:rPr lang="ru-RU" smtClean="0"/>
-              <a:t>02.03.2023</a:t>
+              <a:t>03.03.2023</a:t>
             </a:fld>
             <a:endParaRPr lang="ru-RU"/>
           </a:p>
@@ -1347,7 +1347,7 @@
           <a:p>
             <a:fld id="{EEA4EAA3-FBA8-4A82-8D6E-5BA1DDEE035B}" type="datetimeFigureOut">
               <a:rPr lang="ru-RU" smtClean="0"/>
-              <a:t>02.03.2023</a:t>
+              <a:t>03.03.2023</a:t>
             </a:fld>
             <a:endParaRPr lang="ru-RU"/>
           </a:p>
@@ -1655,7 +1655,7 @@
           <a:p>
             <a:fld id="{EEA4EAA3-FBA8-4A82-8D6E-5BA1DDEE035B}" type="datetimeFigureOut">
               <a:rPr lang="ru-RU" smtClean="0"/>
-              <a:t>02.03.2023</a:t>
+              <a:t>03.03.2023</a:t>
             </a:fld>
             <a:endParaRPr lang="ru-RU"/>
           </a:p>
@@ -1973,7 +1973,7 @@
           <a:p>
             <a:fld id="{EEA4EAA3-FBA8-4A82-8D6E-5BA1DDEE035B}" type="datetimeFigureOut">
               <a:rPr lang="ru-RU" smtClean="0"/>
-              <a:t>02.03.2023</a:t>
+              <a:t>03.03.2023</a:t>
             </a:fld>
             <a:endParaRPr lang="ru-RU"/>
           </a:p>
@@ -2275,7 +2275,7 @@
           <a:p>
             <a:fld id="{EEA4EAA3-FBA8-4A82-8D6E-5BA1DDEE035B}" type="datetimeFigureOut">
               <a:rPr lang="ru-RU" smtClean="0"/>
-              <a:t>02.03.2023</a:t>
+              <a:t>03.03.2023</a:t>
             </a:fld>
             <a:endParaRPr lang="ru-RU"/>
           </a:p>
@@ -2642,7 +2642,7 @@
           <a:p>
             <a:fld id="{EEA4EAA3-FBA8-4A82-8D6E-5BA1DDEE035B}" type="datetimeFigureOut">
               <a:rPr lang="ru-RU" smtClean="0"/>
-              <a:t>02.03.2023</a:t>
+              <a:t>03.03.2023</a:t>
             </a:fld>
             <a:endParaRPr lang="ru-RU"/>
           </a:p>
@@ -2816,7 +2816,7 @@
           <a:p>
             <a:fld id="{EEA4EAA3-FBA8-4A82-8D6E-5BA1DDEE035B}" type="datetimeFigureOut">
               <a:rPr lang="ru-RU" smtClean="0"/>
-              <a:t>02.03.2023</a:t>
+              <a:t>03.03.2023</a:t>
             </a:fld>
             <a:endParaRPr lang="ru-RU"/>
           </a:p>
@@ -2996,7 +2996,7 @@
           <a:p>
             <a:fld id="{EEA4EAA3-FBA8-4A82-8D6E-5BA1DDEE035B}" type="datetimeFigureOut">
               <a:rPr lang="ru-RU" smtClean="0"/>
-              <a:t>02.03.2023</a:t>
+              <a:t>03.03.2023</a:t>
             </a:fld>
             <a:endParaRPr lang="ru-RU"/>
           </a:p>
@@ -3166,7 +3166,7 @@
           <a:p>
             <a:fld id="{EEA4EAA3-FBA8-4A82-8D6E-5BA1DDEE035B}" type="datetimeFigureOut">
               <a:rPr lang="ru-RU" smtClean="0"/>
-              <a:t>02.03.2023</a:t>
+              <a:t>03.03.2023</a:t>
             </a:fld>
             <a:endParaRPr lang="ru-RU"/>
           </a:p>
@@ -3416,7 +3416,7 @@
           <a:p>
             <a:fld id="{EEA4EAA3-FBA8-4A82-8D6E-5BA1DDEE035B}" type="datetimeFigureOut">
               <a:rPr lang="ru-RU" smtClean="0"/>
-              <a:t>02.03.2023</a:t>
+              <a:t>03.03.2023</a:t>
             </a:fld>
             <a:endParaRPr lang="ru-RU"/>
           </a:p>
@@ -3652,7 +3652,7 @@
           <a:p>
             <a:fld id="{EEA4EAA3-FBA8-4A82-8D6E-5BA1DDEE035B}" type="datetimeFigureOut">
               <a:rPr lang="ru-RU" smtClean="0"/>
-              <a:t>02.03.2023</a:t>
+              <a:t>03.03.2023</a:t>
             </a:fld>
             <a:endParaRPr lang="ru-RU"/>
           </a:p>
@@ -4039,7 +4039,7 @@
           <a:p>
             <a:fld id="{EEA4EAA3-FBA8-4A82-8D6E-5BA1DDEE035B}" type="datetimeFigureOut">
               <a:rPr lang="ru-RU" smtClean="0"/>
-              <a:t>02.03.2023</a:t>
+              <a:t>03.03.2023</a:t>
             </a:fld>
             <a:endParaRPr lang="ru-RU"/>
           </a:p>
@@ -4162,7 +4162,7 @@
           <a:p>
             <a:fld id="{EEA4EAA3-FBA8-4A82-8D6E-5BA1DDEE035B}" type="datetimeFigureOut">
               <a:rPr lang="ru-RU" smtClean="0"/>
-              <a:t>02.03.2023</a:t>
+              <a:t>03.03.2023</a:t>
             </a:fld>
             <a:endParaRPr lang="ru-RU"/>
           </a:p>
@@ -4257,7 +4257,7 @@
           <a:p>
             <a:fld id="{EEA4EAA3-FBA8-4A82-8D6E-5BA1DDEE035B}" type="datetimeFigureOut">
               <a:rPr lang="ru-RU" smtClean="0"/>
-              <a:t>02.03.2023</a:t>
+              <a:t>03.03.2023</a:t>
             </a:fld>
             <a:endParaRPr lang="ru-RU"/>
           </a:p>
@@ -4512,7 +4512,7 @@
           <a:p>
             <a:fld id="{EEA4EAA3-FBA8-4A82-8D6E-5BA1DDEE035B}" type="datetimeFigureOut">
               <a:rPr lang="ru-RU" smtClean="0"/>
-              <a:t>02.03.2023</a:t>
+              <a:t>03.03.2023</a:t>
             </a:fld>
             <a:endParaRPr lang="ru-RU"/>
           </a:p>
@@ -4800,7 +4800,7 @@
           <a:p>
             <a:fld id="{EEA4EAA3-FBA8-4A82-8D6E-5BA1DDEE035B}" type="datetimeFigureOut">
               <a:rPr lang="ru-RU" smtClean="0"/>
-              <a:t>02.03.2023</a:t>
+              <a:t>03.03.2023</a:t>
             </a:fld>
             <a:endParaRPr lang="ru-RU"/>
           </a:p>
@@ -5206,7 +5206,7 @@
           <a:p>
             <a:fld id="{EEA4EAA3-FBA8-4A82-8D6E-5BA1DDEE035B}" type="datetimeFigureOut">
               <a:rPr lang="ru-RU" smtClean="0"/>
-              <a:t>02.03.2023</a:t>
+              <a:t>03.03.2023</a:t>
             </a:fld>
             <a:endParaRPr lang="ru-RU"/>
           </a:p>
@@ -6758,27 +6758,7 @@
                 <a:latin typeface="Arial" panose="020B0604020202020204" pitchFamily="34" charset="0"/>
                 <a:cs typeface="Arial" panose="020B0604020202020204" pitchFamily="34" charset="0"/>
               </a:rPr>
-              <a:t>Все уровни записаны в текстовых файлах, которые </a:t>
-            </a:r>
-            <a:r>
-              <a:rPr lang="ru-RU" sz="2800" dirty="0" err="1">
-                <a:solidFill>
-                  <a:schemeClr val="tx1"/>
-                </a:solidFill>
-                <a:latin typeface="Arial" panose="020B0604020202020204" pitchFamily="34" charset="0"/>
-                <a:cs typeface="Arial" panose="020B0604020202020204" pitchFamily="34" charset="0"/>
-              </a:rPr>
-              <a:t>загружаюся</a:t>
-            </a:r>
-            <a:r>
-              <a:rPr lang="ru-RU" sz="2800" dirty="0">
-                <a:solidFill>
-                  <a:schemeClr val="tx1"/>
-                </a:solidFill>
-                <a:latin typeface="Arial" panose="020B0604020202020204" pitchFamily="34" charset="0"/>
-                <a:cs typeface="Arial" panose="020B0604020202020204" pitchFamily="34" charset="0"/>
-              </a:rPr>
-              <a:t>, и по ним генерируется уровень. </a:t>
+              <a:t>Все уровни записаны в текстовых файлах, которые загружаются, и по ним генерируется уровень. </a:t>
             </a:r>
           </a:p>
           <a:p>
